--- a/Specification/TourFirm(presentation).pptx
+++ b/Specification/TourFirm(presentation).pptx
@@ -5,7 +5,7 @@
     <p:sldMasterId id="2147483729" r:id="rId1"/>
   </p:sldMasterIdLst>
   <p:notesMasterIdLst>
-    <p:notesMasterId r:id="rId16"/>
+    <p:notesMasterId r:id="rId19"/>
   </p:notesMasterIdLst>
   <p:sldIdLst>
     <p:sldId id="257" r:id="rId2"/>
@@ -21,7 +21,10 @@
     <p:sldId id="267" r:id="rId12"/>
     <p:sldId id="268" r:id="rId13"/>
     <p:sldId id="269" r:id="rId14"/>
-    <p:sldId id="270" r:id="rId15"/>
+    <p:sldId id="271" r:id="rId15"/>
+    <p:sldId id="272" r:id="rId16"/>
+    <p:sldId id="273" r:id="rId17"/>
+    <p:sldId id="270" r:id="rId18"/>
   </p:sldIdLst>
   <p:sldSz cx="12192000" cy="6858000"/>
   <p:notesSz cx="6858000" cy="9144000"/>
@@ -120,6 +123,11 @@
       </a:defRPr>
     </a:lvl9pPr>
   </p:defaultTextStyle>
+  <p:extLst>
+    <p:ext uri="{EFAFB233-063F-42B5-8137-9DF3F51BA10A}">
+      <p15:sldGuideLst xmlns:p15="http://schemas.microsoft.com/office/powerpoint/2012/main"/>
+    </p:ext>
+  </p:extLst>
 </p:presentation>
 </file>
 
@@ -205,7 +213,7 @@
           <a:p>
             <a:fld id="{7AF5F660-0FA1-49ED-8445-2591E830ACDB}" type="datetimeFigureOut">
               <a:rPr lang="en-US" smtClean="0"/>
-              <a:t>3/24/2022</a:t>
+              <a:t>5/19/2022</a:t>
             </a:fld>
             <a:endParaRPr lang="en-US"/>
           </a:p>
@@ -2343,7 +2351,7 @@
           <a:p>
             <a:fld id="{E757C01E-AC1D-448A-A3C7-E84A54E99BC4}" type="datetimeFigureOut">
               <a:rPr lang="en-US" smtClean="0"/>
-              <a:t>3/24/2022</a:t>
+              <a:t>5/19/2022</a:t>
             </a:fld>
             <a:endParaRPr lang="en-US"/>
           </a:p>
@@ -2681,7 +2689,7 @@
           <a:p>
             <a:fld id="{E757C01E-AC1D-448A-A3C7-E84A54E99BC4}" type="datetimeFigureOut">
               <a:rPr lang="en-US" smtClean="0"/>
-              <a:t>3/24/2022</a:t>
+              <a:t>5/19/2022</a:t>
             </a:fld>
             <a:endParaRPr lang="en-US"/>
           </a:p>
@@ -3082,7 +3090,7 @@
           <a:p>
             <a:fld id="{E757C01E-AC1D-448A-A3C7-E84A54E99BC4}" type="datetimeFigureOut">
               <a:rPr lang="en-US" smtClean="0"/>
-              <a:t>3/24/2022</a:t>
+              <a:t>5/19/2022</a:t>
             </a:fld>
             <a:endParaRPr lang="en-US"/>
           </a:p>
@@ -3418,7 +3426,7 @@
           <a:p>
             <a:fld id="{E757C01E-AC1D-448A-A3C7-E84A54E99BC4}" type="datetimeFigureOut">
               <a:rPr lang="en-US" smtClean="0"/>
-              <a:t>3/24/2022</a:t>
+              <a:t>5/19/2022</a:t>
             </a:fld>
             <a:endParaRPr lang="en-US"/>
           </a:p>
@@ -3738,7 +3746,7 @@
           <a:p>
             <a:fld id="{E757C01E-AC1D-448A-A3C7-E84A54E99BC4}" type="datetimeFigureOut">
               <a:rPr lang="en-US" smtClean="0"/>
-              <a:t>3/24/2022</a:t>
+              <a:t>5/19/2022</a:t>
             </a:fld>
             <a:endParaRPr lang="en-US"/>
           </a:p>
@@ -4134,7 +4142,7 @@
           <a:p>
             <a:fld id="{E757C01E-AC1D-448A-A3C7-E84A54E99BC4}" type="datetimeFigureOut">
               <a:rPr lang="en-US" smtClean="0"/>
-              <a:t>3/24/2022</a:t>
+              <a:t>5/19/2022</a:t>
             </a:fld>
             <a:endParaRPr lang="en-US"/>
           </a:p>
@@ -4391,7 +4399,7 @@
           <a:p>
             <a:fld id="{E757C01E-AC1D-448A-A3C7-E84A54E99BC4}" type="datetimeFigureOut">
               <a:rPr lang="en-US" smtClean="0"/>
-              <a:t>3/24/2022</a:t>
+              <a:t>5/19/2022</a:t>
             </a:fld>
             <a:endParaRPr lang="en-US"/>
           </a:p>
@@ -4653,7 +4661,7 @@
           <a:p>
             <a:fld id="{E757C01E-AC1D-448A-A3C7-E84A54E99BC4}" type="datetimeFigureOut">
               <a:rPr lang="en-US" smtClean="0"/>
-              <a:t>3/24/2022</a:t>
+              <a:t>5/19/2022</a:t>
             </a:fld>
             <a:endParaRPr lang="en-US"/>
           </a:p>
@@ -5274,7 +5282,7 @@
           <a:p>
             <a:fld id="{E757C01E-AC1D-448A-A3C7-E84A54E99BC4}" type="datetimeFigureOut">
               <a:rPr lang="en-US" smtClean="0"/>
-              <a:t>3/24/2022</a:t>
+              <a:t>5/19/2022</a:t>
             </a:fld>
             <a:endParaRPr lang="en-US"/>
           </a:p>
@@ -5603,7 +5611,7 @@
           <a:p>
             <a:fld id="{E757C01E-AC1D-448A-A3C7-E84A54E99BC4}" type="datetimeFigureOut">
               <a:rPr lang="en-US" smtClean="0"/>
-              <a:t>3/24/2022</a:t>
+              <a:t>5/19/2022</a:t>
             </a:fld>
             <a:endParaRPr lang="en-US"/>
           </a:p>
@@ -5926,7 +5934,7 @@
           <a:p>
             <a:fld id="{E757C01E-AC1D-448A-A3C7-E84A54E99BC4}" type="datetimeFigureOut">
               <a:rPr lang="en-US" smtClean="0"/>
-              <a:t>3/24/2022</a:t>
+              <a:t>5/19/2022</a:t>
             </a:fld>
             <a:endParaRPr lang="en-US"/>
           </a:p>
@@ -6383,7 +6391,7 @@
           <a:p>
             <a:fld id="{E757C01E-AC1D-448A-A3C7-E84A54E99BC4}" type="datetimeFigureOut">
               <a:rPr lang="en-US" smtClean="0"/>
-              <a:t>3/24/2022</a:t>
+              <a:t>5/19/2022</a:t>
             </a:fld>
             <a:endParaRPr lang="en-US"/>
           </a:p>
@@ -6588,7 +6596,7 @@
           <a:p>
             <a:fld id="{E757C01E-AC1D-448A-A3C7-E84A54E99BC4}" type="datetimeFigureOut">
               <a:rPr lang="en-US" smtClean="0"/>
-              <a:t>3/24/2022</a:t>
+              <a:t>5/19/2022</a:t>
             </a:fld>
             <a:endParaRPr lang="en-US"/>
           </a:p>
@@ -6765,7 +6773,7 @@
           <a:p>
             <a:fld id="{E757C01E-AC1D-448A-A3C7-E84A54E99BC4}" type="datetimeFigureOut">
               <a:rPr lang="en-US" smtClean="0"/>
-              <a:t>3/24/2022</a:t>
+              <a:t>5/19/2022</a:t>
             </a:fld>
             <a:endParaRPr lang="en-US"/>
           </a:p>
@@ -7098,7 +7106,7 @@
           <a:p>
             <a:fld id="{E757C01E-AC1D-448A-A3C7-E84A54E99BC4}" type="datetimeFigureOut">
               <a:rPr lang="en-US" smtClean="0"/>
-              <a:t>3/24/2022</a:t>
+              <a:t>5/19/2022</a:t>
             </a:fld>
             <a:endParaRPr lang="en-US"/>
           </a:p>
@@ -7443,7 +7451,7 @@
           <a:p>
             <a:fld id="{E757C01E-AC1D-448A-A3C7-E84A54E99BC4}" type="datetimeFigureOut">
               <a:rPr lang="en-US" smtClean="0"/>
-              <a:t>3/24/2022</a:t>
+              <a:t>5/19/2022</a:t>
             </a:fld>
             <a:endParaRPr lang="en-US"/>
           </a:p>
@@ -9560,7 +9568,7 @@
           <a:p>
             <a:fld id="{E757C01E-AC1D-448A-A3C7-E84A54E99BC4}" type="datetimeFigureOut">
               <a:rPr lang="en-US" smtClean="0"/>
-              <a:t>3/24/2022</a:t>
+              <a:t>5/19/2022</a:t>
             </a:fld>
             <a:endParaRPr lang="en-US"/>
           </a:p>
@@ -11375,6 +11383,413 @@
 </file>
 
 <file path=ppt/slides/slide14.xml><?xml version="1.0" encoding="utf-8"?>
+<p:sld xmlns:a="http://schemas.openxmlformats.org/drawingml/2006/main" xmlns:r="http://schemas.openxmlformats.org/officeDocument/2006/relationships" xmlns:p="http://schemas.openxmlformats.org/presentationml/2006/main">
+  <p:cSld>
+    <p:spTree>
+      <p:nvGrpSpPr>
+        <p:cNvPr id="1" name=""/>
+        <p:cNvGrpSpPr/>
+        <p:nvPr/>
+      </p:nvGrpSpPr>
+      <p:grpSpPr>
+        <a:xfrm>
+          <a:off x="0" y="0"/>
+          <a:ext cx="0" cy="0"/>
+          <a:chOff x="0" y="0"/>
+          <a:chExt cx="0" cy="0"/>
+        </a:xfrm>
+      </p:grpSpPr>
+      <p:sp>
+        <p:nvSpPr>
+          <p:cNvPr id="2" name="Title 1">
+            <a:extLst>
+              <a:ext uri="{FF2B5EF4-FFF2-40B4-BE49-F238E27FC236}">
+                <a16:creationId xmlns:a16="http://schemas.microsoft.com/office/drawing/2014/main" id="{852F8C9E-F0C9-2EE9-9526-46098D53AA68}"/>
+              </a:ext>
+            </a:extLst>
+          </p:cNvPr>
+          <p:cNvSpPr>
+            <a:spLocks noGrp="1"/>
+          </p:cNvSpPr>
+          <p:nvPr>
+            <p:ph type="title"/>
+          </p:nvPr>
+        </p:nvSpPr>
+        <p:spPr/>
+        <p:txBody>
+          <a:bodyPr/>
+          <a:lstStyle/>
+          <a:p>
+            <a:endParaRPr lang="en-US"/>
+          </a:p>
+        </p:txBody>
+      </p:sp>
+      <p:sp>
+        <p:nvSpPr>
+          <p:cNvPr id="3" name="Content Placeholder 2">
+            <a:extLst>
+              <a:ext uri="{FF2B5EF4-FFF2-40B4-BE49-F238E27FC236}">
+                <a16:creationId xmlns:a16="http://schemas.microsoft.com/office/drawing/2014/main" id="{8E2D6232-9A76-B5BC-35D5-0C7ED856A5EA}"/>
+              </a:ext>
+            </a:extLst>
+          </p:cNvPr>
+          <p:cNvSpPr>
+            <a:spLocks noGrp="1"/>
+          </p:cNvSpPr>
+          <p:nvPr>
+            <p:ph idx="1"/>
+          </p:nvPr>
+        </p:nvSpPr>
+        <p:spPr/>
+        <p:txBody>
+          <a:bodyPr/>
+          <a:lstStyle/>
+          <a:p>
+            <a:endParaRPr lang="en-US" dirty="0"/>
+          </a:p>
+        </p:txBody>
+      </p:sp>
+      <p:pic>
+        <p:nvPicPr>
+          <p:cNvPr id="5" name="Picture 4">
+            <a:extLst>
+              <a:ext uri="{FF2B5EF4-FFF2-40B4-BE49-F238E27FC236}">
+                <a16:creationId xmlns:a16="http://schemas.microsoft.com/office/drawing/2014/main" id="{553D7E48-CAEC-84EE-9CB1-2C026E82F754}"/>
+              </a:ext>
+            </a:extLst>
+          </p:cNvPr>
+          <p:cNvPicPr>
+            <a:picLocks noChangeAspect="1"/>
+          </p:cNvPicPr>
+          <p:nvPr/>
+        </p:nvPicPr>
+        <p:blipFill>
+          <a:blip r:embed="rId2"/>
+          <a:stretch>
+            <a:fillRect/>
+          </a:stretch>
+        </p:blipFill>
+        <p:spPr>
+          <a:xfrm>
+            <a:off x="904151" y="121841"/>
+            <a:ext cx="9027790" cy="5789381"/>
+          </a:xfrm>
+          <a:prstGeom prst="rect">
+            <a:avLst/>
+          </a:prstGeom>
+        </p:spPr>
+      </p:pic>
+      <p:pic>
+        <p:nvPicPr>
+          <p:cNvPr id="7" name="Picture 6">
+            <a:extLst>
+              <a:ext uri="{FF2B5EF4-FFF2-40B4-BE49-F238E27FC236}">
+                <a16:creationId xmlns:a16="http://schemas.microsoft.com/office/drawing/2014/main" id="{82FB35B7-6757-0CB3-C6C4-01F5BD0D3D83}"/>
+              </a:ext>
+            </a:extLst>
+          </p:cNvPr>
+          <p:cNvPicPr>
+            <a:picLocks noChangeAspect="1"/>
+          </p:cNvPicPr>
+          <p:nvPr/>
+        </p:nvPicPr>
+        <p:blipFill rotWithShape="1">
+          <a:blip r:embed="rId3"/>
+          <a:srcRect t="11644"/>
+          <a:stretch/>
+        </p:blipFill>
+        <p:spPr>
+          <a:xfrm>
+            <a:off x="874967" y="5807413"/>
+            <a:ext cx="9027790" cy="765729"/>
+          </a:xfrm>
+          <a:prstGeom prst="rect">
+            <a:avLst/>
+          </a:prstGeom>
+        </p:spPr>
+      </p:pic>
+    </p:spTree>
+    <p:extLst>
+      <p:ext uri="{BB962C8B-B14F-4D97-AF65-F5344CB8AC3E}">
+        <p14:creationId xmlns:p14="http://schemas.microsoft.com/office/powerpoint/2010/main" val="1443842508"/>
+      </p:ext>
+    </p:extLst>
+  </p:cSld>
+  <p:clrMapOvr>
+    <a:masterClrMapping/>
+  </p:clrMapOvr>
+</p:sld>
+</file>
+
+<file path=ppt/slides/slide15.xml><?xml version="1.0" encoding="utf-8"?>
+<p:sld xmlns:a="http://schemas.openxmlformats.org/drawingml/2006/main" xmlns:r="http://schemas.openxmlformats.org/officeDocument/2006/relationships" xmlns:p="http://schemas.openxmlformats.org/presentationml/2006/main">
+  <p:cSld>
+    <p:spTree>
+      <p:nvGrpSpPr>
+        <p:cNvPr id="1" name=""/>
+        <p:cNvGrpSpPr/>
+        <p:nvPr/>
+      </p:nvGrpSpPr>
+      <p:grpSpPr>
+        <a:xfrm>
+          <a:off x="0" y="0"/>
+          <a:ext cx="0" cy="0"/>
+          <a:chOff x="0" y="0"/>
+          <a:chExt cx="0" cy="0"/>
+        </a:xfrm>
+      </p:grpSpPr>
+      <p:sp>
+        <p:nvSpPr>
+          <p:cNvPr id="2" name="Title 1">
+            <a:extLst>
+              <a:ext uri="{FF2B5EF4-FFF2-40B4-BE49-F238E27FC236}">
+                <a16:creationId xmlns:a16="http://schemas.microsoft.com/office/drawing/2014/main" id="{6F09689A-279B-3BAF-72F0-3338DAE9247B}"/>
+              </a:ext>
+            </a:extLst>
+          </p:cNvPr>
+          <p:cNvSpPr>
+            <a:spLocks noGrp="1"/>
+          </p:cNvSpPr>
+          <p:nvPr>
+            <p:ph type="title"/>
+          </p:nvPr>
+        </p:nvSpPr>
+        <p:spPr>
+          <a:xfrm>
+            <a:off x="567056" y="98260"/>
+            <a:ext cx="8911687" cy="1280890"/>
+          </a:xfrm>
+        </p:spPr>
+        <p:txBody>
+          <a:bodyPr/>
+          <a:lstStyle/>
+          <a:p>
+            <a:r>
+              <a:rPr lang="en-US" dirty="0"/>
+              <a:t>Wireframe:</a:t>
+            </a:r>
+          </a:p>
+        </p:txBody>
+      </p:sp>
+      <p:sp>
+        <p:nvSpPr>
+          <p:cNvPr id="3" name="Content Placeholder 2">
+            <a:extLst>
+              <a:ext uri="{FF2B5EF4-FFF2-40B4-BE49-F238E27FC236}">
+                <a16:creationId xmlns:a16="http://schemas.microsoft.com/office/drawing/2014/main" id="{073430C0-7C11-E7AC-3332-9C6019D76E64}"/>
+              </a:ext>
+            </a:extLst>
+          </p:cNvPr>
+          <p:cNvSpPr>
+            <a:spLocks noGrp="1"/>
+          </p:cNvSpPr>
+          <p:nvPr>
+            <p:ph idx="1"/>
+          </p:nvPr>
+        </p:nvSpPr>
+        <p:spPr/>
+        <p:txBody>
+          <a:bodyPr/>
+          <a:lstStyle/>
+          <a:p>
+            <a:endParaRPr lang="en-US"/>
+          </a:p>
+        </p:txBody>
+      </p:sp>
+      <p:pic>
+        <p:nvPicPr>
+          <p:cNvPr id="5" name="Picture 4">
+            <a:extLst>
+              <a:ext uri="{FF2B5EF4-FFF2-40B4-BE49-F238E27FC236}">
+                <a16:creationId xmlns:a16="http://schemas.microsoft.com/office/drawing/2014/main" id="{B89B2BFA-5265-D3C5-1256-DA3CD821F5CF}"/>
+              </a:ext>
+            </a:extLst>
+          </p:cNvPr>
+          <p:cNvPicPr>
+            <a:picLocks noChangeAspect="1"/>
+          </p:cNvPicPr>
+          <p:nvPr/>
+        </p:nvPicPr>
+        <p:blipFill>
+          <a:blip r:embed="rId2"/>
+          <a:stretch>
+            <a:fillRect/>
+          </a:stretch>
+        </p:blipFill>
+        <p:spPr>
+          <a:xfrm>
+            <a:off x="252248" y="1108817"/>
+            <a:ext cx="11939752" cy="5352536"/>
+          </a:xfrm>
+          <a:prstGeom prst="rect">
+            <a:avLst/>
+          </a:prstGeom>
+        </p:spPr>
+      </p:pic>
+      <p:sp>
+        <p:nvSpPr>
+          <p:cNvPr id="6" name="TextBox 5">
+            <a:extLst>
+              <a:ext uri="{FF2B5EF4-FFF2-40B4-BE49-F238E27FC236}">
+                <a16:creationId xmlns:a16="http://schemas.microsoft.com/office/drawing/2014/main" id="{393C8FF4-33AD-5ECF-9788-232EA73090E9}"/>
+              </a:ext>
+            </a:extLst>
+          </p:cNvPr>
+          <p:cNvSpPr txBox="1"/>
+          <p:nvPr/>
+        </p:nvSpPr>
+        <p:spPr>
+          <a:xfrm>
+            <a:off x="3134654" y="6390408"/>
+            <a:ext cx="7127272" cy="369332"/>
+          </a:xfrm>
+          <a:prstGeom prst="rect">
+            <a:avLst/>
+          </a:prstGeom>
+          <a:noFill/>
+        </p:spPr>
+        <p:txBody>
+          <a:bodyPr wrap="none" rtlCol="0">
+            <a:spAutoFit/>
+          </a:bodyPr>
+          <a:lstStyle/>
+          <a:p>
+            <a:r>
+              <a:rPr lang="en-US" b="0" i="0" u="none" strike="noStrike" dirty="0">
+                <a:effectLst/>
+                <a:latin typeface="Roboto" panose="02000000000000000000" pitchFamily="2" charset="0"/>
+                <a:hlinkClick r:id="rId3" tooltip="https://projects.invisionapp.com/freehand/document/KGMOweeWr"/>
+              </a:rPr>
+              <a:t>https://projects.invisionapp.com/freehand/document/KGMOweeWr</a:t>
+            </a:r>
+            <a:endParaRPr lang="en-US" dirty="0"/>
+          </a:p>
+        </p:txBody>
+      </p:sp>
+    </p:spTree>
+    <p:extLst>
+      <p:ext uri="{BB962C8B-B14F-4D97-AF65-F5344CB8AC3E}">
+        <p14:creationId xmlns:p14="http://schemas.microsoft.com/office/powerpoint/2010/main" val="2338818171"/>
+      </p:ext>
+    </p:extLst>
+  </p:cSld>
+  <p:clrMapOvr>
+    <a:masterClrMapping/>
+  </p:clrMapOvr>
+</p:sld>
+</file>
+
+<file path=ppt/slides/slide16.xml><?xml version="1.0" encoding="utf-8"?>
+<p:sld xmlns:a="http://schemas.openxmlformats.org/drawingml/2006/main" xmlns:r="http://schemas.openxmlformats.org/officeDocument/2006/relationships" xmlns:p="http://schemas.openxmlformats.org/presentationml/2006/main">
+  <p:cSld>
+    <p:spTree>
+      <p:nvGrpSpPr>
+        <p:cNvPr id="1" name=""/>
+        <p:cNvGrpSpPr/>
+        <p:nvPr/>
+      </p:nvGrpSpPr>
+      <p:grpSpPr>
+        <a:xfrm>
+          <a:off x="0" y="0"/>
+          <a:ext cx="0" cy="0"/>
+          <a:chOff x="0" y="0"/>
+          <a:chExt cx="0" cy="0"/>
+        </a:xfrm>
+      </p:grpSpPr>
+      <p:sp>
+        <p:nvSpPr>
+          <p:cNvPr id="2" name="Title 1">
+            <a:extLst>
+              <a:ext uri="{FF2B5EF4-FFF2-40B4-BE49-F238E27FC236}">
+                <a16:creationId xmlns:a16="http://schemas.microsoft.com/office/drawing/2014/main" id="{17CEAF0C-2FDB-2293-59F5-C746EF9852FB}"/>
+              </a:ext>
+            </a:extLst>
+          </p:cNvPr>
+          <p:cNvSpPr>
+            <a:spLocks noGrp="1"/>
+          </p:cNvSpPr>
+          <p:nvPr>
+            <p:ph type="title"/>
+          </p:nvPr>
+        </p:nvSpPr>
+        <p:spPr/>
+        <p:txBody>
+          <a:bodyPr/>
+          <a:lstStyle/>
+          <a:p>
+            <a:endParaRPr lang="en-US"/>
+          </a:p>
+        </p:txBody>
+      </p:sp>
+      <p:sp>
+        <p:nvSpPr>
+          <p:cNvPr id="3" name="Content Placeholder 2">
+            <a:extLst>
+              <a:ext uri="{FF2B5EF4-FFF2-40B4-BE49-F238E27FC236}">
+                <a16:creationId xmlns:a16="http://schemas.microsoft.com/office/drawing/2014/main" id="{09C8D68B-959B-53D1-B14D-2FE87CB8E3AE}"/>
+              </a:ext>
+            </a:extLst>
+          </p:cNvPr>
+          <p:cNvSpPr>
+            <a:spLocks noGrp="1"/>
+          </p:cNvSpPr>
+          <p:nvPr>
+            <p:ph idx="1"/>
+          </p:nvPr>
+        </p:nvSpPr>
+        <p:spPr/>
+        <p:txBody>
+          <a:bodyPr/>
+          <a:lstStyle/>
+          <a:p>
+            <a:endParaRPr lang="en-US"/>
+          </a:p>
+        </p:txBody>
+      </p:sp>
+      <p:pic>
+        <p:nvPicPr>
+          <p:cNvPr id="5" name="Picture 4">
+            <a:extLst>
+              <a:ext uri="{FF2B5EF4-FFF2-40B4-BE49-F238E27FC236}">
+                <a16:creationId xmlns:a16="http://schemas.microsoft.com/office/drawing/2014/main" id="{37F59D74-3456-ECBC-7965-A44955563DCB}"/>
+              </a:ext>
+            </a:extLst>
+          </p:cNvPr>
+          <p:cNvPicPr>
+            <a:picLocks noChangeAspect="1"/>
+          </p:cNvPicPr>
+          <p:nvPr/>
+        </p:nvPicPr>
+        <p:blipFill>
+          <a:blip r:embed="rId2"/>
+          <a:stretch>
+            <a:fillRect/>
+          </a:stretch>
+        </p:blipFill>
+        <p:spPr>
+          <a:xfrm>
+            <a:off x="191744" y="268013"/>
+            <a:ext cx="12000256" cy="6424627"/>
+          </a:xfrm>
+          <a:prstGeom prst="rect">
+            <a:avLst/>
+          </a:prstGeom>
+        </p:spPr>
+      </p:pic>
+    </p:spTree>
+    <p:extLst>
+      <p:ext uri="{BB962C8B-B14F-4D97-AF65-F5344CB8AC3E}">
+        <p14:creationId xmlns:p14="http://schemas.microsoft.com/office/powerpoint/2010/main" val="257609620"/>
+      </p:ext>
+    </p:extLst>
+  </p:cSld>
+  <p:clrMapOvr>
+    <a:masterClrMapping/>
+  </p:clrMapOvr>
+</p:sld>
+</file>
+
+<file path=ppt/slides/slide17.xml><?xml version="1.0" encoding="utf-8"?>
 <p:sld xmlns:a="http://schemas.openxmlformats.org/drawingml/2006/main" xmlns:r="http://schemas.openxmlformats.org/officeDocument/2006/relationships" xmlns:p="http://schemas.openxmlformats.org/presentationml/2006/main">
   <p:cSld>
     <p:spTree>

--- a/Specification/TourFirm(presentation).pptx
+++ b/Specification/TourFirm(presentation).pptx
@@ -5,7 +5,7 @@
     <p:sldMasterId id="2147483729" r:id="rId1"/>
   </p:sldMasterIdLst>
   <p:notesMasterIdLst>
-    <p:notesMasterId r:id="rId19"/>
+    <p:notesMasterId r:id="rId20"/>
   </p:notesMasterIdLst>
   <p:sldIdLst>
     <p:sldId id="257" r:id="rId2"/>
@@ -17,14 +17,15 @@
     <p:sldId id="263" r:id="rId8"/>
     <p:sldId id="264" r:id="rId9"/>
     <p:sldId id="265" r:id="rId10"/>
-    <p:sldId id="266" r:id="rId11"/>
-    <p:sldId id="267" r:id="rId12"/>
-    <p:sldId id="268" r:id="rId13"/>
+    <p:sldId id="268" r:id="rId11"/>
+    <p:sldId id="266" r:id="rId12"/>
+    <p:sldId id="267" r:id="rId13"/>
     <p:sldId id="269" r:id="rId14"/>
-    <p:sldId id="271" r:id="rId15"/>
-    <p:sldId id="272" r:id="rId16"/>
-    <p:sldId id="273" r:id="rId17"/>
-    <p:sldId id="270" r:id="rId18"/>
+    <p:sldId id="274" r:id="rId15"/>
+    <p:sldId id="271" r:id="rId16"/>
+    <p:sldId id="272" r:id="rId17"/>
+    <p:sldId id="273" r:id="rId18"/>
+    <p:sldId id="270" r:id="rId19"/>
   </p:sldIdLst>
   <p:sldSz cx="12192000" cy="6858000"/>
   <p:notesSz cx="6858000" cy="9144000"/>
@@ -589,7 +590,7 @@
   <p:cSld>
     <p:spTree>
       <p:nvGrpSpPr>
-        <p:cNvPr id="1" name="Shape 155"/>
+        <p:cNvPr id="1" name="Shape 169"/>
         <p:cNvGrpSpPr/>
         <p:nvPr/>
       </p:nvGrpSpPr>
@@ -603,7 +604,7 @@
       </p:grpSpPr>
       <p:sp>
         <p:nvSpPr>
-          <p:cNvPr id="156" name="Google Shape;156;g11a86ebcac4_0_122:notes"/>
+          <p:cNvPr id="170" name="Google Shape;170;g11a86ebcac4_0_153:notes"/>
           <p:cNvSpPr>
             <a:spLocks noGrp="1" noRot="1" noChangeAspect="1"/>
           </p:cNvSpPr>
@@ -644,7 +645,7 @@
       </p:sp>
       <p:sp>
         <p:nvSpPr>
-          <p:cNvPr id="157" name="Google Shape;157;g11a86ebcac4_0_122:notes"/>
+          <p:cNvPr id="171" name="Google Shape;171;g11a86ebcac4_0_153:notes"/>
           <p:cNvSpPr txBox="1">
             <a:spLocks noGrp="1"/>
           </p:cNvSpPr>
@@ -693,7 +694,7 @@
   <p:cSld>
     <p:spTree>
       <p:nvGrpSpPr>
-        <p:cNvPr id="1" name="Shape 162"/>
+        <p:cNvPr id="1" name="Shape 155"/>
         <p:cNvGrpSpPr/>
         <p:nvPr/>
       </p:nvGrpSpPr>
@@ -707,7 +708,7 @@
       </p:grpSpPr>
       <p:sp>
         <p:nvSpPr>
-          <p:cNvPr id="163" name="Google Shape;163;g11a86ebcac4_0_141:notes"/>
+          <p:cNvPr id="156" name="Google Shape;156;g11a86ebcac4_0_122:notes"/>
           <p:cNvSpPr>
             <a:spLocks noGrp="1" noRot="1" noChangeAspect="1"/>
           </p:cNvSpPr>
@@ -748,7 +749,7 @@
       </p:sp>
       <p:sp>
         <p:nvSpPr>
-          <p:cNvPr id="164" name="Google Shape;164;g11a86ebcac4_0_141:notes"/>
+          <p:cNvPr id="157" name="Google Shape;157;g11a86ebcac4_0_122:notes"/>
           <p:cNvSpPr txBox="1">
             <a:spLocks noGrp="1"/>
           </p:cNvSpPr>
@@ -797,7 +798,7 @@
   <p:cSld>
     <p:spTree>
       <p:nvGrpSpPr>
-        <p:cNvPr id="1" name="Shape 169"/>
+        <p:cNvPr id="1" name="Shape 162"/>
         <p:cNvGrpSpPr/>
         <p:nvPr/>
       </p:nvGrpSpPr>
@@ -811,7 +812,7 @@
       </p:grpSpPr>
       <p:sp>
         <p:nvSpPr>
-          <p:cNvPr id="170" name="Google Shape;170;g11a86ebcac4_0_153:notes"/>
+          <p:cNvPr id="163" name="Google Shape;163;g11a86ebcac4_0_141:notes"/>
           <p:cNvSpPr>
             <a:spLocks noGrp="1" noRot="1" noChangeAspect="1"/>
           </p:cNvSpPr>
@@ -852,7 +853,7 @@
       </p:sp>
       <p:sp>
         <p:nvSpPr>
-          <p:cNvPr id="171" name="Google Shape;171;g11a86ebcac4_0_153:notes"/>
+          <p:cNvPr id="164" name="Google Shape;164;g11a86ebcac4_0_141:notes"/>
           <p:cNvSpPr txBox="1">
             <a:spLocks noGrp="1"/>
           </p:cNvSpPr>
@@ -10246,6 +10247,287 @@
   <p:cSld>
     <p:spTree>
       <p:nvGrpSpPr>
+        <p:cNvPr id="1" name="Shape 172"/>
+        <p:cNvGrpSpPr/>
+        <p:nvPr/>
+      </p:nvGrpSpPr>
+      <p:grpSpPr>
+        <a:xfrm>
+          <a:off x="0" y="0"/>
+          <a:ext cx="0" cy="0"/>
+          <a:chOff x="0" y="0"/>
+          <a:chExt cx="0" cy="0"/>
+        </a:xfrm>
+      </p:grpSpPr>
+      <p:sp>
+        <p:nvSpPr>
+          <p:cNvPr id="173" name="Google Shape;173;p24"/>
+          <p:cNvSpPr txBox="1">
+            <a:spLocks noGrp="1"/>
+          </p:cNvSpPr>
+          <p:nvPr>
+            <p:ph type="title"/>
+          </p:nvPr>
+        </p:nvSpPr>
+        <p:spPr>
+          <a:xfrm>
+            <a:off x="343067" y="954533"/>
+            <a:ext cx="10251600" cy="713600"/>
+          </a:xfrm>
+          <a:prstGeom prst="rect">
+            <a:avLst/>
+          </a:prstGeom>
+        </p:spPr>
+        <p:txBody>
+          <a:bodyPr spcFirstLastPara="1" vert="horz" wrap="square" lIns="121900" tIns="121900" rIns="121900" bIns="121900" rtlCol="0" anchor="t" anchorCtr="0">
+            <a:normAutofit fontScale="90000"/>
+          </a:bodyPr>
+          <a:lstStyle/>
+          <a:p>
+            <a:r>
+              <a:rPr lang="uk"/>
+              <a:t>General requirements</a:t>
+            </a:r>
+            <a:endParaRPr/>
+          </a:p>
+        </p:txBody>
+      </p:sp>
+      <p:sp>
+        <p:nvSpPr>
+          <p:cNvPr id="174" name="Google Shape;174;p24"/>
+          <p:cNvSpPr txBox="1">
+            <a:spLocks noGrp="1"/>
+          </p:cNvSpPr>
+          <p:nvPr>
+            <p:ph type="body" idx="1"/>
+          </p:nvPr>
+        </p:nvSpPr>
+        <p:spPr>
+          <a:xfrm>
+            <a:off x="2435041" y="1491670"/>
+            <a:ext cx="10251600" cy="3014800"/>
+          </a:xfrm>
+          <a:prstGeom prst="rect">
+            <a:avLst/>
+          </a:prstGeom>
+        </p:spPr>
+        <p:txBody>
+          <a:bodyPr spcFirstLastPara="1" vert="horz" wrap="square" lIns="121900" tIns="121900" rIns="121900" bIns="121900" rtlCol="0" anchor="t" anchorCtr="0">
+            <a:normAutofit/>
+          </a:bodyPr>
+          <a:lstStyle/>
+          <a:p>
+            <a:pPr marL="0" indent="0">
+              <a:spcAft>
+                <a:spcPts val="1600"/>
+              </a:spcAft>
+              <a:buNone/>
+            </a:pPr>
+            <a:r>
+              <a:rPr lang="uk" dirty="0"/>
+              <a:t>how the system will function  the technology used to develop the project, and  Overall Description </a:t>
+            </a:r>
+            <a:endParaRPr dirty="0"/>
+          </a:p>
+        </p:txBody>
+      </p:sp>
+      <p:sp>
+        <p:nvSpPr>
+          <p:cNvPr id="175" name="Google Shape;175;p24"/>
+          <p:cNvSpPr txBox="1"/>
+          <p:nvPr/>
+        </p:nvSpPr>
+        <p:spPr>
+          <a:xfrm>
+            <a:off x="196367" y="2356500"/>
+            <a:ext cx="11918400" cy="3570168"/>
+          </a:xfrm>
+          <a:prstGeom prst="rect">
+            <a:avLst/>
+          </a:prstGeom>
+          <a:noFill/>
+          <a:ln>
+            <a:noFill/>
+          </a:ln>
+        </p:spPr>
+        <p:txBody>
+          <a:bodyPr spcFirstLastPara="1" wrap="square" lIns="121900" tIns="121900" rIns="121900" bIns="121900" anchor="t" anchorCtr="0">
+            <a:spAutoFit/>
+          </a:bodyPr>
+          <a:lstStyle/>
+          <a:p>
+            <a:pPr marL="609585" indent="-423323">
+              <a:buSzPts val="1400"/>
+              <a:buFont typeface="Lato"/>
+              <a:buChar char="●"/>
+            </a:pPr>
+            <a:r>
+              <a:rPr lang="uk" sz="2400" b="1">
+                <a:latin typeface="Lato"/>
+                <a:ea typeface="Lato"/>
+                <a:cs typeface="Lato"/>
+                <a:sym typeface="Lato"/>
+              </a:rPr>
+              <a:t>Safety Requirements </a:t>
+            </a:r>
+            <a:endParaRPr sz="2400" b="1">
+              <a:latin typeface="Lato"/>
+              <a:ea typeface="Lato"/>
+              <a:cs typeface="Lato"/>
+              <a:sym typeface="Lato"/>
+            </a:endParaRPr>
+          </a:p>
+          <a:p>
+            <a:pPr marL="1219170" lvl="1" indent="-423323">
+              <a:buSzPts val="1400"/>
+              <a:buFont typeface="Lato"/>
+              <a:buChar char="○"/>
+            </a:pPr>
+            <a:r>
+              <a:rPr lang="uk" sz="2400">
+                <a:latin typeface="Lato"/>
+                <a:ea typeface="Lato"/>
+                <a:cs typeface="Lato"/>
+                <a:sym typeface="Lato"/>
+              </a:rPr>
+              <a:t>Databases should use sharding to be redundant to prevent loss of data. </a:t>
+            </a:r>
+            <a:endParaRPr sz="2400">
+              <a:latin typeface="Lato"/>
+              <a:ea typeface="Lato"/>
+              <a:cs typeface="Lato"/>
+              <a:sym typeface="Lato"/>
+            </a:endParaRPr>
+          </a:p>
+          <a:p>
+            <a:endParaRPr sz="2400">
+              <a:latin typeface="Lato"/>
+              <a:ea typeface="Lato"/>
+              <a:cs typeface="Lato"/>
+              <a:sym typeface="Lato"/>
+            </a:endParaRPr>
+          </a:p>
+          <a:p>
+            <a:pPr marL="609585" indent="-423323">
+              <a:buSzPts val="1400"/>
+              <a:buFont typeface="Lato"/>
+              <a:buChar char="●"/>
+            </a:pPr>
+            <a:r>
+              <a:rPr lang="uk" sz="2400" b="1">
+                <a:latin typeface="Lato"/>
+                <a:ea typeface="Lato"/>
+                <a:cs typeface="Lato"/>
+                <a:sym typeface="Lato"/>
+              </a:rPr>
+              <a:t>Security Requirements </a:t>
+            </a:r>
+            <a:endParaRPr sz="2400" b="1">
+              <a:latin typeface="Lato"/>
+              <a:ea typeface="Lato"/>
+              <a:cs typeface="Lato"/>
+              <a:sym typeface="Lato"/>
+            </a:endParaRPr>
+          </a:p>
+          <a:p>
+            <a:pPr marL="1219170" lvl="1" indent="-423323">
+              <a:buSzPts val="1400"/>
+              <a:buFont typeface="Lato"/>
+              <a:buChar char="○"/>
+            </a:pPr>
+            <a:r>
+              <a:rPr lang="uk" sz="2400">
+                <a:latin typeface="Lato"/>
+                <a:ea typeface="Lato"/>
+                <a:cs typeface="Lato"/>
+                <a:sym typeface="Lato"/>
+              </a:rPr>
+              <a:t>Any keys used for the project should be stored securely. </a:t>
+            </a:r>
+            <a:endParaRPr sz="2400">
+              <a:latin typeface="Lato"/>
+              <a:ea typeface="Lato"/>
+              <a:cs typeface="Lato"/>
+              <a:sym typeface="Lato"/>
+            </a:endParaRPr>
+          </a:p>
+          <a:p>
+            <a:pPr marL="1219170" lvl="1" indent="-423323">
+              <a:buSzPts val="1400"/>
+              <a:buFont typeface="Lato"/>
+              <a:buChar char="○"/>
+            </a:pPr>
+            <a:r>
+              <a:rPr lang="uk" sz="2400">
+                <a:latin typeface="Lato"/>
+                <a:ea typeface="Lato"/>
+                <a:cs typeface="Lato"/>
+                <a:sym typeface="Lato"/>
+              </a:rPr>
+              <a:t>Only the Java should be able to connect to the databases.  </a:t>
+            </a:r>
+            <a:endParaRPr sz="2400">
+              <a:latin typeface="Lato"/>
+              <a:ea typeface="Lato"/>
+              <a:cs typeface="Lato"/>
+              <a:sym typeface="Lato"/>
+            </a:endParaRPr>
+          </a:p>
+          <a:p>
+            <a:pPr marL="1219170" lvl="1" indent="-423323">
+              <a:buSzPts val="1400"/>
+              <a:buFont typeface="Lato"/>
+              <a:buChar char="○"/>
+            </a:pPr>
+            <a:r>
+              <a:rPr lang="uk" sz="2400">
+                <a:latin typeface="Lato"/>
+                <a:ea typeface="Lato"/>
+                <a:cs typeface="Lato"/>
+                <a:sym typeface="Lato"/>
+              </a:rPr>
+              <a:t>Databases should be behind a firewall.</a:t>
+            </a:r>
+            <a:endParaRPr sz="2400">
+              <a:latin typeface="Lato"/>
+              <a:ea typeface="Lato"/>
+              <a:cs typeface="Lato"/>
+              <a:sym typeface="Lato"/>
+            </a:endParaRPr>
+          </a:p>
+          <a:p>
+            <a:pPr marL="1219170"/>
+            <a:endParaRPr sz="2400">
+              <a:latin typeface="Lato"/>
+              <a:ea typeface="Lato"/>
+              <a:cs typeface="Lato"/>
+              <a:sym typeface="Lato"/>
+            </a:endParaRPr>
+          </a:p>
+          <a:p>
+            <a:pPr marL="609585"/>
+            <a:endParaRPr sz="2400">
+              <a:latin typeface="Lato"/>
+              <a:ea typeface="Lato"/>
+              <a:cs typeface="Lato"/>
+              <a:sym typeface="Lato"/>
+            </a:endParaRPr>
+          </a:p>
+        </p:txBody>
+      </p:sp>
+    </p:spTree>
+  </p:cSld>
+  <p:clrMapOvr>
+    <a:masterClrMapping/>
+  </p:clrMapOvr>
+</p:sld>
+</file>
+
+<file path=ppt/slides/slide11.xml><?xml version="1.0" encoding="utf-8"?>
+<p:sld xmlns:a="http://schemas.openxmlformats.org/drawingml/2006/main" xmlns:r="http://schemas.openxmlformats.org/officeDocument/2006/relationships" xmlns:p="http://schemas.openxmlformats.org/presentationml/2006/main">
+  <p:cSld>
+    <p:spTree>
+      <p:nvGrpSpPr>
         <p:cNvPr id="1" name="Shape 158"/>
         <p:cNvGrpSpPr/>
         <p:nvPr/>
@@ -10579,7 +10861,7 @@
 </p:sld>
 </file>
 
-<file path=ppt/slides/slide11.xml><?xml version="1.0" encoding="utf-8"?>
+<file path=ppt/slides/slide12.xml><?xml version="1.0" encoding="utf-8"?>
 <p:sld xmlns:a="http://schemas.openxmlformats.org/drawingml/2006/main" xmlns:r="http://schemas.openxmlformats.org/officeDocument/2006/relationships" xmlns:p="http://schemas.openxmlformats.org/presentationml/2006/main">
   <p:cSld>
     <p:spTree>
@@ -10932,287 +11214,6 @@
               <a:t>The database should be distributed to prevent outages </a:t>
             </a:r>
             <a:endParaRPr sz="2000" dirty="0">
-              <a:latin typeface="Lato"/>
-              <a:ea typeface="Lato"/>
-              <a:cs typeface="Lato"/>
-              <a:sym typeface="Lato"/>
-            </a:endParaRPr>
-          </a:p>
-        </p:txBody>
-      </p:sp>
-    </p:spTree>
-  </p:cSld>
-  <p:clrMapOvr>
-    <a:masterClrMapping/>
-  </p:clrMapOvr>
-</p:sld>
-</file>
-
-<file path=ppt/slides/slide12.xml><?xml version="1.0" encoding="utf-8"?>
-<p:sld xmlns:a="http://schemas.openxmlformats.org/drawingml/2006/main" xmlns:r="http://schemas.openxmlformats.org/officeDocument/2006/relationships" xmlns:p="http://schemas.openxmlformats.org/presentationml/2006/main">
-  <p:cSld>
-    <p:spTree>
-      <p:nvGrpSpPr>
-        <p:cNvPr id="1" name="Shape 172"/>
-        <p:cNvGrpSpPr/>
-        <p:nvPr/>
-      </p:nvGrpSpPr>
-      <p:grpSpPr>
-        <a:xfrm>
-          <a:off x="0" y="0"/>
-          <a:ext cx="0" cy="0"/>
-          <a:chOff x="0" y="0"/>
-          <a:chExt cx="0" cy="0"/>
-        </a:xfrm>
-      </p:grpSpPr>
-      <p:sp>
-        <p:nvSpPr>
-          <p:cNvPr id="173" name="Google Shape;173;p24"/>
-          <p:cNvSpPr txBox="1">
-            <a:spLocks noGrp="1"/>
-          </p:cNvSpPr>
-          <p:nvPr>
-            <p:ph type="title"/>
-          </p:nvPr>
-        </p:nvSpPr>
-        <p:spPr>
-          <a:xfrm>
-            <a:off x="343067" y="954533"/>
-            <a:ext cx="10251600" cy="713600"/>
-          </a:xfrm>
-          <a:prstGeom prst="rect">
-            <a:avLst/>
-          </a:prstGeom>
-        </p:spPr>
-        <p:txBody>
-          <a:bodyPr spcFirstLastPara="1" vert="horz" wrap="square" lIns="121900" tIns="121900" rIns="121900" bIns="121900" rtlCol="0" anchor="t" anchorCtr="0">
-            <a:normAutofit fontScale="90000"/>
-          </a:bodyPr>
-          <a:lstStyle/>
-          <a:p>
-            <a:r>
-              <a:rPr lang="uk"/>
-              <a:t>General requirements</a:t>
-            </a:r>
-            <a:endParaRPr/>
-          </a:p>
-        </p:txBody>
-      </p:sp>
-      <p:sp>
-        <p:nvSpPr>
-          <p:cNvPr id="174" name="Google Shape;174;p24"/>
-          <p:cNvSpPr txBox="1">
-            <a:spLocks noGrp="1"/>
-          </p:cNvSpPr>
-          <p:nvPr>
-            <p:ph type="body" idx="1"/>
-          </p:nvPr>
-        </p:nvSpPr>
-        <p:spPr>
-          <a:xfrm>
-            <a:off x="2435041" y="1491670"/>
-            <a:ext cx="10251600" cy="3014800"/>
-          </a:xfrm>
-          <a:prstGeom prst="rect">
-            <a:avLst/>
-          </a:prstGeom>
-        </p:spPr>
-        <p:txBody>
-          <a:bodyPr spcFirstLastPara="1" vert="horz" wrap="square" lIns="121900" tIns="121900" rIns="121900" bIns="121900" rtlCol="0" anchor="t" anchorCtr="0">
-            <a:normAutofit/>
-          </a:bodyPr>
-          <a:lstStyle/>
-          <a:p>
-            <a:pPr marL="0" indent="0">
-              <a:spcAft>
-                <a:spcPts val="1600"/>
-              </a:spcAft>
-              <a:buNone/>
-            </a:pPr>
-            <a:r>
-              <a:rPr lang="uk" dirty="0"/>
-              <a:t>how the system will function  the technology used to develop the project, and  Overall Description </a:t>
-            </a:r>
-            <a:endParaRPr dirty="0"/>
-          </a:p>
-        </p:txBody>
-      </p:sp>
-      <p:sp>
-        <p:nvSpPr>
-          <p:cNvPr id="175" name="Google Shape;175;p24"/>
-          <p:cNvSpPr txBox="1"/>
-          <p:nvPr/>
-        </p:nvSpPr>
-        <p:spPr>
-          <a:xfrm>
-            <a:off x="196367" y="2356500"/>
-            <a:ext cx="11918400" cy="3570168"/>
-          </a:xfrm>
-          <a:prstGeom prst="rect">
-            <a:avLst/>
-          </a:prstGeom>
-          <a:noFill/>
-          <a:ln>
-            <a:noFill/>
-          </a:ln>
-        </p:spPr>
-        <p:txBody>
-          <a:bodyPr spcFirstLastPara="1" wrap="square" lIns="121900" tIns="121900" rIns="121900" bIns="121900" anchor="t" anchorCtr="0">
-            <a:spAutoFit/>
-          </a:bodyPr>
-          <a:lstStyle/>
-          <a:p>
-            <a:pPr marL="609585" indent="-423323">
-              <a:buSzPts val="1400"/>
-              <a:buFont typeface="Lato"/>
-              <a:buChar char="●"/>
-            </a:pPr>
-            <a:r>
-              <a:rPr lang="uk" sz="2400" b="1">
-                <a:latin typeface="Lato"/>
-                <a:ea typeface="Lato"/>
-                <a:cs typeface="Lato"/>
-                <a:sym typeface="Lato"/>
-              </a:rPr>
-              <a:t>Safety Requirements </a:t>
-            </a:r>
-            <a:endParaRPr sz="2400" b="1">
-              <a:latin typeface="Lato"/>
-              <a:ea typeface="Lato"/>
-              <a:cs typeface="Lato"/>
-              <a:sym typeface="Lato"/>
-            </a:endParaRPr>
-          </a:p>
-          <a:p>
-            <a:pPr marL="1219170" lvl="1" indent="-423323">
-              <a:buSzPts val="1400"/>
-              <a:buFont typeface="Lato"/>
-              <a:buChar char="○"/>
-            </a:pPr>
-            <a:r>
-              <a:rPr lang="uk" sz="2400">
-                <a:latin typeface="Lato"/>
-                <a:ea typeface="Lato"/>
-                <a:cs typeface="Lato"/>
-                <a:sym typeface="Lato"/>
-              </a:rPr>
-              <a:t>Databases should use sharding to be redundant to prevent loss of data. </a:t>
-            </a:r>
-            <a:endParaRPr sz="2400">
-              <a:latin typeface="Lato"/>
-              <a:ea typeface="Lato"/>
-              <a:cs typeface="Lato"/>
-              <a:sym typeface="Lato"/>
-            </a:endParaRPr>
-          </a:p>
-          <a:p>
-            <a:endParaRPr sz="2400">
-              <a:latin typeface="Lato"/>
-              <a:ea typeface="Lato"/>
-              <a:cs typeface="Lato"/>
-              <a:sym typeface="Lato"/>
-            </a:endParaRPr>
-          </a:p>
-          <a:p>
-            <a:pPr marL="609585" indent="-423323">
-              <a:buSzPts val="1400"/>
-              <a:buFont typeface="Lato"/>
-              <a:buChar char="●"/>
-            </a:pPr>
-            <a:r>
-              <a:rPr lang="uk" sz="2400" b="1">
-                <a:latin typeface="Lato"/>
-                <a:ea typeface="Lato"/>
-                <a:cs typeface="Lato"/>
-                <a:sym typeface="Lato"/>
-              </a:rPr>
-              <a:t>Security Requirements </a:t>
-            </a:r>
-            <a:endParaRPr sz="2400" b="1">
-              <a:latin typeface="Lato"/>
-              <a:ea typeface="Lato"/>
-              <a:cs typeface="Lato"/>
-              <a:sym typeface="Lato"/>
-            </a:endParaRPr>
-          </a:p>
-          <a:p>
-            <a:pPr marL="1219170" lvl="1" indent="-423323">
-              <a:buSzPts val="1400"/>
-              <a:buFont typeface="Lato"/>
-              <a:buChar char="○"/>
-            </a:pPr>
-            <a:r>
-              <a:rPr lang="uk" sz="2400">
-                <a:latin typeface="Lato"/>
-                <a:ea typeface="Lato"/>
-                <a:cs typeface="Lato"/>
-                <a:sym typeface="Lato"/>
-              </a:rPr>
-              <a:t>Any keys used for the project should be stored securely. </a:t>
-            </a:r>
-            <a:endParaRPr sz="2400">
-              <a:latin typeface="Lato"/>
-              <a:ea typeface="Lato"/>
-              <a:cs typeface="Lato"/>
-              <a:sym typeface="Lato"/>
-            </a:endParaRPr>
-          </a:p>
-          <a:p>
-            <a:pPr marL="1219170" lvl="1" indent="-423323">
-              <a:buSzPts val="1400"/>
-              <a:buFont typeface="Lato"/>
-              <a:buChar char="○"/>
-            </a:pPr>
-            <a:r>
-              <a:rPr lang="uk" sz="2400">
-                <a:latin typeface="Lato"/>
-                <a:ea typeface="Lato"/>
-                <a:cs typeface="Lato"/>
-                <a:sym typeface="Lato"/>
-              </a:rPr>
-              <a:t>Only the Java should be able to connect to the databases.  </a:t>
-            </a:r>
-            <a:endParaRPr sz="2400">
-              <a:latin typeface="Lato"/>
-              <a:ea typeface="Lato"/>
-              <a:cs typeface="Lato"/>
-              <a:sym typeface="Lato"/>
-            </a:endParaRPr>
-          </a:p>
-          <a:p>
-            <a:pPr marL="1219170" lvl="1" indent="-423323">
-              <a:buSzPts val="1400"/>
-              <a:buFont typeface="Lato"/>
-              <a:buChar char="○"/>
-            </a:pPr>
-            <a:r>
-              <a:rPr lang="uk" sz="2400">
-                <a:latin typeface="Lato"/>
-                <a:ea typeface="Lato"/>
-                <a:cs typeface="Lato"/>
-                <a:sym typeface="Lato"/>
-              </a:rPr>
-              <a:t>Databases should be behind a firewall.</a:t>
-            </a:r>
-            <a:endParaRPr sz="2400">
-              <a:latin typeface="Lato"/>
-              <a:ea typeface="Lato"/>
-              <a:cs typeface="Lato"/>
-              <a:sym typeface="Lato"/>
-            </a:endParaRPr>
-          </a:p>
-          <a:p>
-            <a:pPr marL="1219170"/>
-            <a:endParaRPr sz="2400">
-              <a:latin typeface="Lato"/>
-              <a:ea typeface="Lato"/>
-              <a:cs typeface="Lato"/>
-              <a:sym typeface="Lato"/>
-            </a:endParaRPr>
-          </a:p>
-          <a:p>
-            <a:pPr marL="609585"/>
-            <a:endParaRPr sz="2400">
               <a:latin typeface="Lato"/>
               <a:ea typeface="Lato"/>
               <a:cs typeface="Lato"/>
@@ -11404,7 +11405,7 @@
           <p:cNvPr id="2" name="Title 1">
             <a:extLst>
               <a:ext uri="{FF2B5EF4-FFF2-40B4-BE49-F238E27FC236}">
-                <a16:creationId xmlns:a16="http://schemas.microsoft.com/office/drawing/2014/main" id="{852F8C9E-F0C9-2EE9-9526-46098D53AA68}"/>
+                <a16:creationId xmlns:a16="http://schemas.microsoft.com/office/drawing/2014/main" id="{7721C01C-BB61-27C0-3D33-3E03AA6A82FE}"/>
               </a:ext>
             </a:extLst>
           </p:cNvPr>
@@ -11424,37 +11425,12 @@
           </a:p>
         </p:txBody>
       </p:sp>
-      <p:sp>
-        <p:nvSpPr>
-          <p:cNvPr id="3" name="Content Placeholder 2">
+      <p:pic>
+        <p:nvPicPr>
+          <p:cNvPr id="8" name="Picture 7">
             <a:extLst>
               <a:ext uri="{FF2B5EF4-FFF2-40B4-BE49-F238E27FC236}">
-                <a16:creationId xmlns:a16="http://schemas.microsoft.com/office/drawing/2014/main" id="{8E2D6232-9A76-B5BC-35D5-0C7ED856A5EA}"/>
-              </a:ext>
-            </a:extLst>
-          </p:cNvPr>
-          <p:cNvSpPr>
-            <a:spLocks noGrp="1"/>
-          </p:cNvSpPr>
-          <p:nvPr>
-            <p:ph idx="1"/>
-          </p:nvPr>
-        </p:nvSpPr>
-        <p:spPr/>
-        <p:txBody>
-          <a:bodyPr/>
-          <a:lstStyle/>
-          <a:p>
-            <a:endParaRPr lang="en-US" dirty="0"/>
-          </a:p>
-        </p:txBody>
-      </p:sp>
-      <p:pic>
-        <p:nvPicPr>
-          <p:cNvPr id="5" name="Picture 4">
-            <a:extLst>
-              <a:ext uri="{FF2B5EF4-FFF2-40B4-BE49-F238E27FC236}">
-                <a16:creationId xmlns:a16="http://schemas.microsoft.com/office/drawing/2014/main" id="{553D7E48-CAEC-84EE-9CB1-2C026E82F754}"/>
+                <a16:creationId xmlns:a16="http://schemas.microsoft.com/office/drawing/2014/main" id="{0B5940AA-2263-C551-651E-F80384CC3D79}"/>
               </a:ext>
             </a:extLst>
           </p:cNvPr>
@@ -11471,37 +11447,8 @@
         </p:blipFill>
         <p:spPr>
           <a:xfrm>
-            <a:off x="904151" y="121841"/>
-            <a:ext cx="9027790" cy="5789381"/>
-          </a:xfrm>
-          <a:prstGeom prst="rect">
-            <a:avLst/>
-          </a:prstGeom>
-        </p:spPr>
-      </p:pic>
-      <p:pic>
-        <p:nvPicPr>
-          <p:cNvPr id="7" name="Picture 6">
-            <a:extLst>
-              <a:ext uri="{FF2B5EF4-FFF2-40B4-BE49-F238E27FC236}">
-                <a16:creationId xmlns:a16="http://schemas.microsoft.com/office/drawing/2014/main" id="{82FB35B7-6757-0CB3-C6C4-01F5BD0D3D83}"/>
-              </a:ext>
-            </a:extLst>
-          </p:cNvPr>
-          <p:cNvPicPr>
-            <a:picLocks noChangeAspect="1"/>
-          </p:cNvPicPr>
-          <p:nvPr/>
-        </p:nvPicPr>
-        <p:blipFill rotWithShape="1">
-          <a:blip r:embed="rId3"/>
-          <a:srcRect t="11644"/>
-          <a:stretch/>
-        </p:blipFill>
-        <p:spPr>
-          <a:xfrm>
-            <a:off x="874967" y="5807413"/>
-            <a:ext cx="9027790" cy="765729"/>
+            <a:off x="3700002" y="203139"/>
+            <a:ext cx="4791996" cy="6451722"/>
           </a:xfrm>
           <a:prstGeom prst="rect">
             <a:avLst/>
@@ -11511,7 +11458,7 @@
     </p:spTree>
     <p:extLst>
       <p:ext uri="{BB962C8B-B14F-4D97-AF65-F5344CB8AC3E}">
-        <p14:creationId xmlns:p14="http://schemas.microsoft.com/office/powerpoint/2010/main" val="1443842508"/>
+        <p14:creationId xmlns:p14="http://schemas.microsoft.com/office/powerpoint/2010/main" val="2089780367"/>
       </p:ext>
     </p:extLst>
   </p:cSld>
@@ -11543,7 +11490,7 @@
           <p:cNvPr id="2" name="Title 1">
             <a:extLst>
               <a:ext uri="{FF2B5EF4-FFF2-40B4-BE49-F238E27FC236}">
-                <a16:creationId xmlns:a16="http://schemas.microsoft.com/office/drawing/2014/main" id="{6F09689A-279B-3BAF-72F0-3338DAE9247B}"/>
+                <a16:creationId xmlns:a16="http://schemas.microsoft.com/office/drawing/2014/main" id="{852F8C9E-F0C9-2EE9-9526-46098D53AA68}"/>
               </a:ext>
             </a:extLst>
           </p:cNvPr>
@@ -11554,20 +11501,12 @@
             <p:ph type="title"/>
           </p:nvPr>
         </p:nvSpPr>
-        <p:spPr>
-          <a:xfrm>
-            <a:off x="567056" y="98260"/>
-            <a:ext cx="8911687" cy="1280890"/>
-          </a:xfrm>
-        </p:spPr>
+        <p:spPr/>
         <p:txBody>
           <a:bodyPr/>
           <a:lstStyle/>
           <a:p>
-            <a:r>
-              <a:rPr lang="en-US" dirty="0"/>
-              <a:t>Wireframe:</a:t>
-            </a:r>
+            <a:endParaRPr lang="en-US"/>
           </a:p>
         </p:txBody>
       </p:sp>
@@ -11576,7 +11515,7 @@
           <p:cNvPr id="3" name="Content Placeholder 2">
             <a:extLst>
               <a:ext uri="{FF2B5EF4-FFF2-40B4-BE49-F238E27FC236}">
-                <a16:creationId xmlns:a16="http://schemas.microsoft.com/office/drawing/2014/main" id="{073430C0-7C11-E7AC-3332-9C6019D76E64}"/>
+                <a16:creationId xmlns:a16="http://schemas.microsoft.com/office/drawing/2014/main" id="{8E2D6232-9A76-B5BC-35D5-0C7ED856A5EA}"/>
               </a:ext>
             </a:extLst>
           </p:cNvPr>
@@ -11592,7 +11531,7 @@
           <a:bodyPr/>
           <a:lstStyle/>
           <a:p>
-            <a:endParaRPr lang="en-US"/>
+            <a:endParaRPr lang="en-US" dirty="0"/>
           </a:p>
         </p:txBody>
       </p:sp>
@@ -11601,7 +11540,7 @@
           <p:cNvPr id="5" name="Picture 4">
             <a:extLst>
               <a:ext uri="{FF2B5EF4-FFF2-40B4-BE49-F238E27FC236}">
-                <a16:creationId xmlns:a16="http://schemas.microsoft.com/office/drawing/2014/main" id="{B89B2BFA-5265-D3C5-1256-DA3CD821F5CF}"/>
+                <a16:creationId xmlns:a16="http://schemas.microsoft.com/office/drawing/2014/main" id="{553D7E48-CAEC-84EE-9CB1-2C026E82F754}"/>
               </a:ext>
             </a:extLst>
           </p:cNvPr>
@@ -11618,58 +11557,47 @@
         </p:blipFill>
         <p:spPr>
           <a:xfrm>
-            <a:off x="252248" y="1108817"/>
-            <a:ext cx="11939752" cy="5352536"/>
+            <a:off x="1582105" y="121841"/>
+            <a:ext cx="9027790" cy="5789381"/>
           </a:xfrm>
           <a:prstGeom prst="rect">
             <a:avLst/>
           </a:prstGeom>
         </p:spPr>
       </p:pic>
-      <p:sp>
-        <p:nvSpPr>
-          <p:cNvPr id="6" name="TextBox 5">
+      <p:pic>
+        <p:nvPicPr>
+          <p:cNvPr id="7" name="Picture 6">
             <a:extLst>
               <a:ext uri="{FF2B5EF4-FFF2-40B4-BE49-F238E27FC236}">
-                <a16:creationId xmlns:a16="http://schemas.microsoft.com/office/drawing/2014/main" id="{393C8FF4-33AD-5ECF-9788-232EA73090E9}"/>
+                <a16:creationId xmlns:a16="http://schemas.microsoft.com/office/drawing/2014/main" id="{82FB35B7-6757-0CB3-C6C4-01F5BD0D3D83}"/>
               </a:ext>
             </a:extLst>
           </p:cNvPr>
-          <p:cNvSpPr txBox="1"/>
+          <p:cNvPicPr>
+            <a:picLocks noChangeAspect="1"/>
+          </p:cNvPicPr>
           <p:nvPr/>
-        </p:nvSpPr>
-        <p:spPr>
-          <a:xfrm>
-            <a:off x="3134654" y="6390408"/>
-            <a:ext cx="7127272" cy="369332"/>
+        </p:nvPicPr>
+        <p:blipFill rotWithShape="1">
+          <a:blip r:embed="rId3"/>
+          <a:srcRect t="11644"/>
+          <a:stretch/>
+        </p:blipFill>
+        <p:spPr>
+          <a:xfrm>
+            <a:off x="1552921" y="5807413"/>
+            <a:ext cx="9027790" cy="765729"/>
           </a:xfrm>
           <a:prstGeom prst="rect">
             <a:avLst/>
           </a:prstGeom>
-          <a:noFill/>
-        </p:spPr>
-        <p:txBody>
-          <a:bodyPr wrap="none" rtlCol="0">
-            <a:spAutoFit/>
-          </a:bodyPr>
-          <a:lstStyle/>
-          <a:p>
-            <a:r>
-              <a:rPr lang="en-US" b="0" i="0" u="none" strike="noStrike" dirty="0">
-                <a:effectLst/>
-                <a:latin typeface="Roboto" panose="02000000000000000000" pitchFamily="2" charset="0"/>
-                <a:hlinkClick r:id="rId3" tooltip="https://projects.invisionapp.com/freehand/document/KGMOweeWr"/>
-              </a:rPr>
-              <a:t>https://projects.invisionapp.com/freehand/document/KGMOweeWr</a:t>
-            </a:r>
-            <a:endParaRPr lang="en-US" dirty="0"/>
-          </a:p>
-        </p:txBody>
-      </p:sp>
+        </p:spPr>
+      </p:pic>
     </p:spTree>
     <p:extLst>
       <p:ext uri="{BB962C8B-B14F-4D97-AF65-F5344CB8AC3E}">
-        <p14:creationId xmlns:p14="http://schemas.microsoft.com/office/powerpoint/2010/main" val="2338818171"/>
+        <p14:creationId xmlns:p14="http://schemas.microsoft.com/office/powerpoint/2010/main" val="1443842508"/>
       </p:ext>
     </p:extLst>
   </p:cSld>
@@ -11701,6 +11629,164 @@
           <p:cNvPr id="2" name="Title 1">
             <a:extLst>
               <a:ext uri="{FF2B5EF4-FFF2-40B4-BE49-F238E27FC236}">
+                <a16:creationId xmlns:a16="http://schemas.microsoft.com/office/drawing/2014/main" id="{6F09689A-279B-3BAF-72F0-3338DAE9247B}"/>
+              </a:ext>
+            </a:extLst>
+          </p:cNvPr>
+          <p:cNvSpPr>
+            <a:spLocks noGrp="1"/>
+          </p:cNvSpPr>
+          <p:nvPr>
+            <p:ph type="title"/>
+          </p:nvPr>
+        </p:nvSpPr>
+        <p:spPr>
+          <a:xfrm>
+            <a:off x="567056" y="98260"/>
+            <a:ext cx="8911687" cy="1280890"/>
+          </a:xfrm>
+        </p:spPr>
+        <p:txBody>
+          <a:bodyPr/>
+          <a:lstStyle/>
+          <a:p>
+            <a:r>
+              <a:rPr lang="en-US" dirty="0"/>
+              <a:t>Wireframe:</a:t>
+            </a:r>
+          </a:p>
+        </p:txBody>
+      </p:sp>
+      <p:sp>
+        <p:nvSpPr>
+          <p:cNvPr id="3" name="Content Placeholder 2">
+            <a:extLst>
+              <a:ext uri="{FF2B5EF4-FFF2-40B4-BE49-F238E27FC236}">
+                <a16:creationId xmlns:a16="http://schemas.microsoft.com/office/drawing/2014/main" id="{073430C0-7C11-E7AC-3332-9C6019D76E64}"/>
+              </a:ext>
+            </a:extLst>
+          </p:cNvPr>
+          <p:cNvSpPr>
+            <a:spLocks noGrp="1"/>
+          </p:cNvSpPr>
+          <p:nvPr>
+            <p:ph idx="1"/>
+          </p:nvPr>
+        </p:nvSpPr>
+        <p:spPr/>
+        <p:txBody>
+          <a:bodyPr/>
+          <a:lstStyle/>
+          <a:p>
+            <a:endParaRPr lang="en-US"/>
+          </a:p>
+        </p:txBody>
+      </p:sp>
+      <p:pic>
+        <p:nvPicPr>
+          <p:cNvPr id="5" name="Picture 4">
+            <a:extLst>
+              <a:ext uri="{FF2B5EF4-FFF2-40B4-BE49-F238E27FC236}">
+                <a16:creationId xmlns:a16="http://schemas.microsoft.com/office/drawing/2014/main" id="{B89B2BFA-5265-D3C5-1256-DA3CD821F5CF}"/>
+              </a:ext>
+            </a:extLst>
+          </p:cNvPr>
+          <p:cNvPicPr>
+            <a:picLocks noChangeAspect="1"/>
+          </p:cNvPicPr>
+          <p:nvPr/>
+        </p:nvPicPr>
+        <p:blipFill>
+          <a:blip r:embed="rId2"/>
+          <a:stretch>
+            <a:fillRect/>
+          </a:stretch>
+        </p:blipFill>
+        <p:spPr>
+          <a:xfrm>
+            <a:off x="252248" y="1108817"/>
+            <a:ext cx="11939752" cy="5352536"/>
+          </a:xfrm>
+          <a:prstGeom prst="rect">
+            <a:avLst/>
+          </a:prstGeom>
+        </p:spPr>
+      </p:pic>
+      <p:sp>
+        <p:nvSpPr>
+          <p:cNvPr id="6" name="TextBox 5">
+            <a:extLst>
+              <a:ext uri="{FF2B5EF4-FFF2-40B4-BE49-F238E27FC236}">
+                <a16:creationId xmlns:a16="http://schemas.microsoft.com/office/drawing/2014/main" id="{393C8FF4-33AD-5ECF-9788-232EA73090E9}"/>
+              </a:ext>
+            </a:extLst>
+          </p:cNvPr>
+          <p:cNvSpPr txBox="1"/>
+          <p:nvPr/>
+        </p:nvSpPr>
+        <p:spPr>
+          <a:xfrm>
+            <a:off x="3134654" y="6390408"/>
+            <a:ext cx="7127272" cy="369332"/>
+          </a:xfrm>
+          <a:prstGeom prst="rect">
+            <a:avLst/>
+          </a:prstGeom>
+          <a:noFill/>
+        </p:spPr>
+        <p:txBody>
+          <a:bodyPr wrap="none" rtlCol="0">
+            <a:spAutoFit/>
+          </a:bodyPr>
+          <a:lstStyle/>
+          <a:p>
+            <a:r>
+              <a:rPr lang="en-US" b="0" i="0" u="none" strike="noStrike" dirty="0">
+                <a:effectLst/>
+                <a:latin typeface="Roboto" panose="02000000000000000000" pitchFamily="2" charset="0"/>
+                <a:hlinkClick r:id="rId3" tooltip="https://projects.invisionapp.com/freehand/document/KGMOweeWr"/>
+              </a:rPr>
+              <a:t>https://projects.invisionapp.com/freehand/document/KGMOweeWr</a:t>
+            </a:r>
+            <a:endParaRPr lang="en-US" dirty="0"/>
+          </a:p>
+        </p:txBody>
+      </p:sp>
+    </p:spTree>
+    <p:extLst>
+      <p:ext uri="{BB962C8B-B14F-4D97-AF65-F5344CB8AC3E}">
+        <p14:creationId xmlns:p14="http://schemas.microsoft.com/office/powerpoint/2010/main" val="2338818171"/>
+      </p:ext>
+    </p:extLst>
+  </p:cSld>
+  <p:clrMapOvr>
+    <a:masterClrMapping/>
+  </p:clrMapOvr>
+</p:sld>
+</file>
+
+<file path=ppt/slides/slide17.xml><?xml version="1.0" encoding="utf-8"?>
+<p:sld xmlns:a="http://schemas.openxmlformats.org/drawingml/2006/main" xmlns:r="http://schemas.openxmlformats.org/officeDocument/2006/relationships" xmlns:p="http://schemas.openxmlformats.org/presentationml/2006/main">
+  <p:cSld>
+    <p:spTree>
+      <p:nvGrpSpPr>
+        <p:cNvPr id="1" name=""/>
+        <p:cNvGrpSpPr/>
+        <p:nvPr/>
+      </p:nvGrpSpPr>
+      <p:grpSpPr>
+        <a:xfrm>
+          <a:off x="0" y="0"/>
+          <a:ext cx="0" cy="0"/>
+          <a:chOff x="0" y="0"/>
+          <a:chExt cx="0" cy="0"/>
+        </a:xfrm>
+      </p:grpSpPr>
+      <p:sp>
+        <p:nvSpPr>
+          <p:cNvPr id="2" name="Title 1">
+            <a:extLst>
+              <a:ext uri="{FF2B5EF4-FFF2-40B4-BE49-F238E27FC236}">
                 <a16:creationId xmlns:a16="http://schemas.microsoft.com/office/drawing/2014/main" id="{17CEAF0C-2FDB-2293-59F5-C746EF9852FB}"/>
               </a:ext>
             </a:extLst>
@@ -11789,7 +11875,7 @@
 </p:sld>
 </file>
 
-<file path=ppt/slides/slide17.xml><?xml version="1.0" encoding="utf-8"?>
+<file path=ppt/slides/slide18.xml><?xml version="1.0" encoding="utf-8"?>
 <p:sld xmlns:a="http://schemas.openxmlformats.org/drawingml/2006/main" xmlns:r="http://schemas.openxmlformats.org/officeDocument/2006/relationships" xmlns:p="http://schemas.openxmlformats.org/presentationml/2006/main">
   <p:cSld>
     <p:spTree>
